--- a/info465_cicd.pptx
+++ b/info465_cicd.pptx
@@ -5,10 +5,10 @@
     <p:sldMasterId id="2147483692" r:id="rId1"/>
   </p:sldMasterIdLst>
   <p:notesMasterIdLst>
-    <p:notesMasterId r:id="rId21"/>
+    <p:notesMasterId r:id="rId23"/>
   </p:notesMasterIdLst>
   <p:handoutMasterIdLst>
-    <p:handoutMasterId r:id="rId22"/>
+    <p:handoutMasterId r:id="rId24"/>
   </p:handoutMasterIdLst>
   <p:sldIdLst>
     <p:sldId id="302" r:id="rId2"/>
@@ -28,13 +28,15 @@
     <p:sldId id="506" r:id="rId16"/>
     <p:sldId id="497" r:id="rId17"/>
     <p:sldId id="517" r:id="rId18"/>
-    <p:sldId id="495" r:id="rId19"/>
-    <p:sldId id="491" r:id="rId20"/>
+    <p:sldId id="518" r:id="rId19"/>
+    <p:sldId id="495" r:id="rId20"/>
+    <p:sldId id="491" r:id="rId21"/>
+    <p:sldId id="519" r:id="rId22"/>
   </p:sldIdLst>
   <p:sldSz cx="9144000" cy="6858000" type="screen4x3"/>
   <p:notesSz cx="7010400" cy="9296400"/>
   <p:custDataLst>
-    <p:tags r:id="rId23"/>
+    <p:tags r:id="rId25"/>
   </p:custDataLst>
   <p:defaultTextStyle>
     <a:defPPr>
@@ -183,8 +185,10 @@
             <p14:sldId id="506"/>
             <p14:sldId id="497"/>
             <p14:sldId id="517"/>
+            <p14:sldId id="518"/>
             <p14:sldId id="495"/>
             <p14:sldId id="491"/>
+            <p14:sldId id="519"/>
           </p14:sldIdLst>
         </p14:section>
       </p14:sectionLst>
@@ -6738,8 +6742,8 @@
         </p:nvSpPr>
         <p:spPr>
           <a:xfrm>
-            <a:off x="160866" y="905934"/>
-            <a:ext cx="8763000" cy="5293757"/>
+            <a:off x="160866" y="1024468"/>
+            <a:ext cx="8763000" cy="5539978"/>
           </a:xfrm>
           <a:prstGeom prst="rect">
             <a:avLst/>
@@ -6874,7 +6878,15 @@
             </a:r>
             <a:r>
               <a:rPr lang="en-US" sz="1600" dirty="0"/>
-              <a:t> Stages have one or more jobs, which define the commands to run.  Jobs can have:</a:t>
+              <a:t> Stages have one or more jobs, which define the commands to run.  Executed by </a:t>
+            </a:r>
+            <a:r>
+              <a:rPr lang="en-US" sz="1600" b="1" dirty="0"/>
+              <a:t>GitLab runners</a:t>
+            </a:r>
+            <a:r>
+              <a:rPr lang="en-US" sz="1600" dirty="0"/>
+              <a:t>. Jobs can have:</a:t>
             </a:r>
             <a:endParaRPr lang="en-US" sz="1600" b="1" dirty="0"/>
           </a:p>
@@ -7016,7 +7028,13 @@
   <p:cSld>
     <p:spTree>
       <p:nvGrpSpPr>
-        <p:cNvPr id="1" name=""/>
+        <p:cNvPr id="1" name="">
+          <a:extLst>
+            <a:ext uri="{FF2B5EF4-FFF2-40B4-BE49-F238E27FC236}">
+              <a16:creationId xmlns:a16="http://schemas.microsoft.com/office/drawing/2014/main" id="{6FE3EC7F-EBD2-D393-8E98-689D3AE450DC}"/>
+            </a:ext>
+          </a:extLst>
+        </p:cNvPr>
         <p:cNvGrpSpPr/>
         <p:nvPr/>
       </p:nvGrpSpPr>
@@ -7030,7 +7048,13 @@
       </p:grpSpPr>
       <p:sp>
         <p:nvSpPr>
-          <p:cNvPr id="3" name="Title 1"/>
+          <p:cNvPr id="3" name="Title 1">
+            <a:extLst>
+              <a:ext uri="{FF2B5EF4-FFF2-40B4-BE49-F238E27FC236}">
+                <a16:creationId xmlns:a16="http://schemas.microsoft.com/office/drawing/2014/main" id="{B4C891D8-C3AD-9947-E246-19491B33092F}"/>
+              </a:ext>
+            </a:extLst>
+          </p:cNvPr>
           <p:cNvSpPr txBox="1">
             <a:spLocks/>
           </p:cNvSpPr>
@@ -7180,22 +7204,30 @@
           <a:p>
             <a:r>
               <a:rPr lang="en-US" dirty="0"/>
-              <a:t>Example Pugh Matrix	</a:t>
+              <a:t>Example .</a:t>
+            </a:r>
+            <a:r>
+              <a:rPr lang="en-US" dirty="0" err="1"/>
+              <a:t>gitlab-ci.yml</a:t>
+            </a:r>
+            <a:r>
+              <a:rPr lang="en-US" dirty="0"/>
+              <a:t> file	</a:t>
             </a:r>
           </a:p>
         </p:txBody>
       </p:sp>
       <p:pic>
         <p:nvPicPr>
-          <p:cNvPr id="5122" name="Picture 2" descr="Closing the Gap - Project Requirements, RFPs, Vendor Proposals">
+          <p:cNvPr id="5" name="Picture 4">
             <a:extLst>
               <a:ext uri="{FF2B5EF4-FFF2-40B4-BE49-F238E27FC236}">
-                <a16:creationId xmlns:a16="http://schemas.microsoft.com/office/drawing/2014/main" id="{870782AD-BA60-D929-B1C6-A7824E1B7AB9}"/>
+                <a16:creationId xmlns:a16="http://schemas.microsoft.com/office/drawing/2014/main" id="{991E0CFD-A270-F737-A048-32CD9F22F150}"/>
               </a:ext>
             </a:extLst>
           </p:cNvPr>
           <p:cNvPicPr>
-            <a:picLocks noChangeAspect="1" noChangeArrowheads="1"/>
+            <a:picLocks noChangeAspect="1"/>
           </p:cNvPicPr>
           <p:nvPr/>
         </p:nvPicPr>
@@ -7207,35 +7239,24 @@
               </a:ext>
             </a:extLst>
           </a:blip>
-          <a:srcRect/>
           <a:stretch>
             <a:fillRect/>
           </a:stretch>
         </p:blipFill>
-        <p:spPr bwMode="auto">
+        <p:spPr>
           <a:xfrm>
-            <a:off x="186266" y="1214139"/>
-            <a:ext cx="8728083" cy="4009793"/>
+            <a:off x="1024466" y="1086067"/>
+            <a:ext cx="7004485" cy="5427251"/>
           </a:xfrm>
           <a:prstGeom prst="rect">
             <a:avLst/>
           </a:prstGeom>
-          <a:noFill/>
-          <a:extLst>
-            <a:ext uri="{909E8E84-426E-40DD-AFC4-6F175D3DCCD1}">
-              <a14:hiddenFill xmlns:a14="http://schemas.microsoft.com/office/drawing/2010/main">
-                <a:solidFill>
-                  <a:srgbClr val="FFFFFF"/>
-                </a:solidFill>
-              </a14:hiddenFill>
-            </a:ext>
-          </a:extLst>
         </p:spPr>
       </p:pic>
     </p:spTree>
     <p:extLst>
       <p:ext uri="{BB962C8B-B14F-4D97-AF65-F5344CB8AC3E}">
-        <p14:creationId xmlns:p14="http://schemas.microsoft.com/office/powerpoint/2010/main" val="2674102187"/>
+        <p14:creationId xmlns:p14="http://schemas.microsoft.com/office/powerpoint/2010/main" val="475759456"/>
       </p:ext>
     </p:extLst>
   </p:cSld>
@@ -7414,148 +7435,109 @@
           <a:p>
             <a:r>
               <a:rPr lang="en-US" dirty="0"/>
-              <a:t>RFP Assignment</a:t>
+              <a:t>Example outputs from a SAST job	</a:t>
             </a:r>
           </a:p>
         </p:txBody>
       </p:sp>
-      <p:sp>
-        <p:nvSpPr>
-          <p:cNvPr id="5" name="TextBox 4">
+      <p:pic>
+        <p:nvPicPr>
+          <p:cNvPr id="16390" name="Picture 6" descr="Index · Sast · Application security · User · Help · GitLab">
             <a:extLst>
               <a:ext uri="{FF2B5EF4-FFF2-40B4-BE49-F238E27FC236}">
-                <a16:creationId xmlns:a16="http://schemas.microsoft.com/office/drawing/2014/main" id="{661B098E-AB12-4247-89F2-A63A01FB53B8}"/>
+                <a16:creationId xmlns:a16="http://schemas.microsoft.com/office/drawing/2014/main" id="{6EFA60AE-4807-F758-D98F-07142A6640BE}"/>
               </a:ext>
             </a:extLst>
           </p:cNvPr>
-          <p:cNvSpPr txBox="1"/>
+          <p:cNvPicPr>
+            <a:picLocks noChangeAspect="1" noChangeArrowheads="1"/>
+          </p:cNvPicPr>
           <p:nvPr/>
-        </p:nvSpPr>
-        <p:spPr>
+        </p:nvPicPr>
+        <p:blipFill>
+          <a:blip r:embed="rId2">
+            <a:extLst>
+              <a:ext uri="{28A0092B-C50C-407E-A947-70E740481C1C}">
+                <a14:useLocalDpi xmlns:a14="http://schemas.microsoft.com/office/drawing/2010/main" val="0"/>
+              </a:ext>
+            </a:extLst>
+          </a:blip>
+          <a:srcRect/>
+          <a:stretch>
+            <a:fillRect/>
+          </a:stretch>
+        </p:blipFill>
+        <p:spPr bwMode="auto">
           <a:xfrm>
-            <a:off x="285750" y="912386"/>
-            <a:ext cx="8426449" cy="3785652"/>
+            <a:off x="713317" y="1509183"/>
+            <a:ext cx="4076700" cy="1993900"/>
           </a:xfrm>
           <a:prstGeom prst="rect">
             <a:avLst/>
           </a:prstGeom>
           <a:noFill/>
+          <a:extLst>
+            <a:ext uri="{909E8E84-426E-40DD-AFC4-6F175D3DCCD1}">
+              <a14:hiddenFill xmlns:a14="http://schemas.microsoft.com/office/drawing/2010/main">
+                <a:solidFill>
+                  <a:srgbClr val="FFFFFF"/>
+                </a:solidFill>
+              </a14:hiddenFill>
+            </a:ext>
+          </a:extLst>
         </p:spPr>
-        <p:txBody>
-          <a:bodyPr wrap="square" rtlCol="0">
-            <a:spAutoFit/>
-          </a:bodyPr>
-          <a:lstStyle/>
-          <a:p>
-            <a:pPr>
-              <a:spcBef>
-                <a:spcPts val="0"/>
-              </a:spcBef>
-            </a:pPr>
-            <a:endParaRPr lang="en-US" sz="2400" dirty="0"/>
-          </a:p>
-          <a:p>
-            <a:pPr marL="457200" indent="-457200">
-              <a:spcBef>
-                <a:spcPts val="0"/>
-              </a:spcBef>
-              <a:buFont typeface="+mj-lt"/>
-              <a:buAutoNum type="arabicPeriod"/>
-            </a:pPr>
-            <a:r>
-              <a:rPr lang="en-US" sz="2400" dirty="0"/>
-              <a:t>RFP is really a requirements analysis document.</a:t>
-            </a:r>
-          </a:p>
-          <a:p>
-            <a:pPr marL="457200" indent="-457200">
-              <a:spcBef>
-                <a:spcPts val="0"/>
-              </a:spcBef>
-              <a:buFont typeface="+mj-lt"/>
-              <a:buAutoNum type="arabicPeriod"/>
-            </a:pPr>
-            <a:endParaRPr lang="en-US" sz="2400" dirty="0"/>
-          </a:p>
-          <a:p>
-            <a:pPr marL="457200" indent="-457200">
-              <a:spcBef>
-                <a:spcPts val="0"/>
-              </a:spcBef>
-              <a:buFont typeface="+mj-lt"/>
-              <a:buAutoNum type="arabicPeriod"/>
-            </a:pPr>
-            <a:r>
-              <a:rPr lang="en-US" sz="2400" dirty="0"/>
-              <a:t>Your task: For April 10th – create a RFP</a:t>
-            </a:r>
-          </a:p>
-          <a:p>
-            <a:pPr marL="914400" lvl="1" indent="-457200">
-              <a:spcBef>
-                <a:spcPts val="0"/>
-              </a:spcBef>
-              <a:buFont typeface="Arial" panose="020B0604020202020204" pitchFamily="34" charset="0"/>
-              <a:buChar char="•"/>
-            </a:pPr>
-            <a:r>
-              <a:rPr lang="en-US" sz="2400" dirty="0"/>
-              <a:t>Individual assignment</a:t>
-            </a:r>
-          </a:p>
-          <a:p>
-            <a:pPr marL="914400" lvl="1" indent="-457200">
-              <a:spcBef>
-                <a:spcPts val="0"/>
-              </a:spcBef>
-              <a:buFont typeface="Arial" panose="020B0604020202020204" pitchFamily="34" charset="0"/>
-              <a:buChar char="•"/>
-            </a:pPr>
-            <a:r>
-              <a:rPr lang="en-US" sz="2400" dirty="0"/>
-              <a:t>Pick a case </a:t>
-            </a:r>
-            <a:r>
-              <a:rPr lang="en-US" sz="2400" u="sng" dirty="0"/>
-              <a:t>other than</a:t>
-            </a:r>
-            <a:r>
-              <a:rPr lang="en-US" sz="2400" dirty="0"/>
-              <a:t> the one your chose for your sprints</a:t>
-            </a:r>
-          </a:p>
-          <a:p>
-            <a:pPr marL="914400" lvl="1" indent="-457200">
-              <a:spcBef>
-                <a:spcPts val="0"/>
-              </a:spcBef>
-              <a:buFont typeface="Arial" panose="020B0604020202020204" pitchFamily="34" charset="0"/>
-              <a:buChar char="•"/>
-            </a:pPr>
-            <a:r>
-              <a:rPr lang="en-US" sz="2400" dirty="0"/>
-              <a:t>Create an RFP for that case, following the guidelines posted on the canvas.</a:t>
-            </a:r>
-          </a:p>
-          <a:p>
-            <a:pPr marL="914400" lvl="1" indent="-457200">
-              <a:spcBef>
-                <a:spcPts val="0"/>
-              </a:spcBef>
-              <a:buFont typeface="Arial" panose="020B0604020202020204" pitchFamily="34" charset="0"/>
-              <a:buChar char="•"/>
-            </a:pPr>
-            <a:r>
-              <a:rPr lang="en-US" sz="2400" dirty="0"/>
-              <a:t>Includes identifying potential suppliers.</a:t>
-            </a:r>
-          </a:p>
-        </p:txBody>
-      </p:sp>
+      </p:pic>
+      <p:pic>
+        <p:nvPicPr>
+          <p:cNvPr id="16392" name="Picture 8" descr="Static Application Security Testing ...">
+            <a:extLst>
+              <a:ext uri="{FF2B5EF4-FFF2-40B4-BE49-F238E27FC236}">
+                <a16:creationId xmlns:a16="http://schemas.microsoft.com/office/drawing/2014/main" id="{350D119E-B737-4773-7060-B0716114B61B}"/>
+              </a:ext>
+            </a:extLst>
+          </p:cNvPr>
+          <p:cNvPicPr>
+            <a:picLocks noChangeAspect="1" noChangeArrowheads="1"/>
+          </p:cNvPicPr>
+          <p:nvPr/>
+        </p:nvPicPr>
+        <p:blipFill>
+          <a:blip r:embed="rId3">
+            <a:extLst>
+              <a:ext uri="{28A0092B-C50C-407E-A947-70E740481C1C}">
+                <a14:useLocalDpi xmlns:a14="http://schemas.microsoft.com/office/drawing/2010/main" val="0"/>
+              </a:ext>
+            </a:extLst>
+          </a:blip>
+          <a:srcRect/>
+          <a:stretch>
+            <a:fillRect/>
+          </a:stretch>
+        </p:blipFill>
+        <p:spPr bwMode="auto">
+          <a:xfrm>
+            <a:off x="3693586" y="3869268"/>
+            <a:ext cx="4991100" cy="1625600"/>
+          </a:xfrm>
+          <a:prstGeom prst="rect">
+            <a:avLst/>
+          </a:prstGeom>
+          <a:noFill/>
+          <a:extLst>
+            <a:ext uri="{909E8E84-426E-40DD-AFC4-6F175D3DCCD1}">
+              <a14:hiddenFill xmlns:a14="http://schemas.microsoft.com/office/drawing/2010/main">
+                <a:solidFill>
+                  <a:srgbClr val="FFFFFF"/>
+                </a:solidFill>
+              </a14:hiddenFill>
+            </a:ext>
+          </a:extLst>
+        </p:spPr>
+      </p:pic>
     </p:spTree>
     <p:extLst>
       <p:ext uri="{BB962C8B-B14F-4D97-AF65-F5344CB8AC3E}">
-        <p14:creationId xmlns:p14="http://schemas.microsoft.com/office/powerpoint/2010/main" val="3728662959"/>
+        <p14:creationId xmlns:p14="http://schemas.microsoft.com/office/powerpoint/2010/main" val="2674102187"/>
       </p:ext>
     </p:extLst>
   </p:cSld>
@@ -7661,6 +7643,543 @@
     <p:extLst>
       <p:ext uri="{BB962C8B-B14F-4D97-AF65-F5344CB8AC3E}">
         <p14:creationId xmlns:p14="http://schemas.microsoft.com/office/powerpoint/2010/main" val="3047967228"/>
+      </p:ext>
+    </p:extLst>
+  </p:cSld>
+  <p:clrMapOvr>
+    <a:masterClrMapping/>
+  </p:clrMapOvr>
+</p:sld>
+</file>
+
+<file path=ppt/slides/slide20.xml><?xml version="1.0" encoding="utf-8"?>
+<p:sld xmlns:a="http://schemas.openxmlformats.org/drawingml/2006/main" xmlns:r="http://schemas.openxmlformats.org/officeDocument/2006/relationships" xmlns:p="http://schemas.openxmlformats.org/presentationml/2006/main">
+  <p:cSld>
+    <p:spTree>
+      <p:nvGrpSpPr>
+        <p:cNvPr id="1" name=""/>
+        <p:cNvGrpSpPr/>
+        <p:nvPr/>
+      </p:nvGrpSpPr>
+      <p:grpSpPr>
+        <a:xfrm>
+          <a:off x="0" y="0"/>
+          <a:ext cx="0" cy="0"/>
+          <a:chOff x="0" y="0"/>
+          <a:chExt cx="0" cy="0"/>
+        </a:xfrm>
+      </p:grpSpPr>
+      <p:sp>
+        <p:nvSpPr>
+          <p:cNvPr id="3" name="Title 1"/>
+          <p:cNvSpPr txBox="1">
+            <a:spLocks/>
+          </p:cNvSpPr>
+          <p:nvPr/>
+        </p:nvSpPr>
+        <p:spPr>
+          <a:xfrm>
+            <a:off x="285750" y="350838"/>
+            <a:ext cx="8532813" cy="612775"/>
+          </a:xfrm>
+          <a:prstGeom prst="rect">
+            <a:avLst/>
+          </a:prstGeom>
+        </p:spPr>
+        <p:txBody>
+          <a:bodyPr/>
+          <a:lstStyle>
+            <a:lvl1pPr algn="l" rtl="0" eaLnBrk="1" fontAlgn="base" hangingPunct="1">
+              <a:spcBef>
+                <a:spcPct val="0"/>
+              </a:spcBef>
+              <a:spcAft>
+                <a:spcPct val="0"/>
+              </a:spcAft>
+              <a:defRPr sz="3200" b="1">
+                <a:solidFill>
+                  <a:schemeClr val="tx2"/>
+                </a:solidFill>
+                <a:latin typeface="+mj-lt"/>
+                <a:ea typeface="+mj-ea"/>
+                <a:cs typeface="+mj-cs"/>
+              </a:defRPr>
+            </a:lvl1pPr>
+            <a:lvl2pPr algn="l" rtl="0" eaLnBrk="1" fontAlgn="base" hangingPunct="1">
+              <a:spcBef>
+                <a:spcPct val="0"/>
+              </a:spcBef>
+              <a:spcAft>
+                <a:spcPct val="0"/>
+              </a:spcAft>
+              <a:defRPr sz="3200" b="1">
+                <a:solidFill>
+                  <a:schemeClr val="tx2"/>
+                </a:solidFill>
+                <a:latin typeface="Arial" charset="0"/>
+              </a:defRPr>
+            </a:lvl2pPr>
+            <a:lvl3pPr algn="l" rtl="0" eaLnBrk="1" fontAlgn="base" hangingPunct="1">
+              <a:spcBef>
+                <a:spcPct val="0"/>
+              </a:spcBef>
+              <a:spcAft>
+                <a:spcPct val="0"/>
+              </a:spcAft>
+              <a:defRPr sz="3200" b="1">
+                <a:solidFill>
+                  <a:schemeClr val="tx2"/>
+                </a:solidFill>
+                <a:latin typeface="Arial" charset="0"/>
+              </a:defRPr>
+            </a:lvl3pPr>
+            <a:lvl4pPr algn="l" rtl="0" eaLnBrk="1" fontAlgn="base" hangingPunct="1">
+              <a:spcBef>
+                <a:spcPct val="0"/>
+              </a:spcBef>
+              <a:spcAft>
+                <a:spcPct val="0"/>
+              </a:spcAft>
+              <a:defRPr sz="3200" b="1">
+                <a:solidFill>
+                  <a:schemeClr val="tx2"/>
+                </a:solidFill>
+                <a:latin typeface="Arial" charset="0"/>
+              </a:defRPr>
+            </a:lvl4pPr>
+            <a:lvl5pPr algn="l" rtl="0" eaLnBrk="1" fontAlgn="base" hangingPunct="1">
+              <a:spcBef>
+                <a:spcPct val="0"/>
+              </a:spcBef>
+              <a:spcAft>
+                <a:spcPct val="0"/>
+              </a:spcAft>
+              <a:defRPr sz="3200" b="1">
+                <a:solidFill>
+                  <a:schemeClr val="tx2"/>
+                </a:solidFill>
+                <a:latin typeface="Arial" charset="0"/>
+              </a:defRPr>
+            </a:lvl5pPr>
+            <a:lvl6pPr marL="457200" algn="l" rtl="0" eaLnBrk="1" fontAlgn="base" hangingPunct="1">
+              <a:spcBef>
+                <a:spcPct val="0"/>
+              </a:spcBef>
+              <a:spcAft>
+                <a:spcPct val="0"/>
+              </a:spcAft>
+              <a:defRPr sz="3200" b="1">
+                <a:solidFill>
+                  <a:schemeClr val="tx2"/>
+                </a:solidFill>
+                <a:latin typeface="Arial" charset="0"/>
+              </a:defRPr>
+            </a:lvl6pPr>
+            <a:lvl7pPr marL="914400" algn="l" rtl="0" eaLnBrk="1" fontAlgn="base" hangingPunct="1">
+              <a:spcBef>
+                <a:spcPct val="0"/>
+              </a:spcBef>
+              <a:spcAft>
+                <a:spcPct val="0"/>
+              </a:spcAft>
+              <a:defRPr sz="3200" b="1">
+                <a:solidFill>
+                  <a:schemeClr val="tx2"/>
+                </a:solidFill>
+                <a:latin typeface="Arial" charset="0"/>
+              </a:defRPr>
+            </a:lvl7pPr>
+            <a:lvl8pPr marL="1371600" algn="l" rtl="0" eaLnBrk="1" fontAlgn="base" hangingPunct="1">
+              <a:spcBef>
+                <a:spcPct val="0"/>
+              </a:spcBef>
+              <a:spcAft>
+                <a:spcPct val="0"/>
+              </a:spcAft>
+              <a:defRPr sz="3200" b="1">
+                <a:solidFill>
+                  <a:schemeClr val="tx2"/>
+                </a:solidFill>
+                <a:latin typeface="Arial" charset="0"/>
+              </a:defRPr>
+            </a:lvl8pPr>
+            <a:lvl9pPr marL="1828800" algn="l" rtl="0" eaLnBrk="1" fontAlgn="base" hangingPunct="1">
+              <a:spcBef>
+                <a:spcPct val="0"/>
+              </a:spcBef>
+              <a:spcAft>
+                <a:spcPct val="0"/>
+              </a:spcAft>
+              <a:defRPr sz="3200" b="1">
+                <a:solidFill>
+                  <a:schemeClr val="tx2"/>
+                </a:solidFill>
+                <a:latin typeface="Arial" charset="0"/>
+              </a:defRPr>
+            </a:lvl9pPr>
+          </a:lstStyle>
+          <a:p>
+            <a:r>
+              <a:rPr lang="en-US" dirty="0"/>
+              <a:t>Closing comments</a:t>
+            </a:r>
+          </a:p>
+        </p:txBody>
+      </p:sp>
+      <p:sp>
+        <p:nvSpPr>
+          <p:cNvPr id="5" name="TextBox 4">
+            <a:extLst>
+              <a:ext uri="{FF2B5EF4-FFF2-40B4-BE49-F238E27FC236}">
+                <a16:creationId xmlns:a16="http://schemas.microsoft.com/office/drawing/2014/main" id="{661B098E-AB12-4247-89F2-A63A01FB53B8}"/>
+              </a:ext>
+            </a:extLst>
+          </p:cNvPr>
+          <p:cNvSpPr txBox="1"/>
+          <p:nvPr/>
+        </p:nvSpPr>
+        <p:spPr>
+          <a:xfrm>
+            <a:off x="285750" y="912386"/>
+            <a:ext cx="8426449" cy="3785652"/>
+          </a:xfrm>
+          <a:prstGeom prst="rect">
+            <a:avLst/>
+          </a:prstGeom>
+          <a:noFill/>
+        </p:spPr>
+        <p:txBody>
+          <a:bodyPr wrap="square" rtlCol="0">
+            <a:spAutoFit/>
+          </a:bodyPr>
+          <a:lstStyle/>
+          <a:p>
+            <a:pPr>
+              <a:spcBef>
+                <a:spcPts val="0"/>
+              </a:spcBef>
+            </a:pPr>
+            <a:endParaRPr lang="en-US" sz="2400" dirty="0"/>
+          </a:p>
+          <a:p>
+            <a:pPr marL="457200" indent="-457200">
+              <a:spcBef>
+                <a:spcPts val="0"/>
+              </a:spcBef>
+              <a:buFont typeface="+mj-lt"/>
+              <a:buAutoNum type="arabicPeriod"/>
+            </a:pPr>
+            <a:r>
+              <a:rPr lang="en-US" sz="2400" dirty="0"/>
+              <a:t>You have a pipeline build assignment due on April 29</a:t>
+            </a:r>
+            <a:r>
+              <a:rPr lang="en-US" sz="2400" baseline="30000" dirty="0"/>
+              <a:t>th</a:t>
+            </a:r>
+            <a:r>
+              <a:rPr lang="en-US" sz="2400" dirty="0"/>
+              <a:t>.  You will build a test stage that checks code quality and for secrets.  </a:t>
+            </a:r>
+          </a:p>
+          <a:p>
+            <a:pPr marL="457200" indent="-457200">
+              <a:spcBef>
+                <a:spcPts val="0"/>
+              </a:spcBef>
+              <a:buFont typeface="+mj-lt"/>
+              <a:buAutoNum type="arabicPeriod"/>
+            </a:pPr>
+            <a:endParaRPr lang="en-US" sz="2400" dirty="0"/>
+          </a:p>
+          <a:p>
+            <a:pPr marL="457200" indent="-457200">
+              <a:spcBef>
+                <a:spcPts val="0"/>
+              </a:spcBef>
+              <a:buFont typeface="+mj-lt"/>
+              <a:buAutoNum type="arabicPeriod"/>
+            </a:pPr>
+            <a:r>
+              <a:rPr lang="en-US" sz="2400" dirty="0"/>
+              <a:t>It is structured (somewhat) like the step-by-step instructions of our in-class activities.  </a:t>
+            </a:r>
+          </a:p>
+          <a:p>
+            <a:pPr marL="457200" indent="-457200">
+              <a:spcBef>
+                <a:spcPts val="0"/>
+              </a:spcBef>
+              <a:buFont typeface="+mj-lt"/>
+              <a:buAutoNum type="arabicPeriod"/>
+            </a:pPr>
+            <a:endParaRPr lang="en-US" sz="2400" dirty="0"/>
+          </a:p>
+          <a:p>
+            <a:pPr marL="457200" indent="-457200">
+              <a:spcBef>
+                <a:spcPts val="0"/>
+              </a:spcBef>
+              <a:buFont typeface="+mj-lt"/>
+              <a:buAutoNum type="arabicPeriod"/>
+            </a:pPr>
+            <a:r>
+              <a:rPr lang="en-US" sz="2400" dirty="0"/>
+              <a:t>The goal of this section is to introduce you to CI/CD….we could spend an entire semester on it.</a:t>
+            </a:r>
+          </a:p>
+        </p:txBody>
+      </p:sp>
+    </p:spTree>
+    <p:extLst>
+      <p:ext uri="{BB962C8B-B14F-4D97-AF65-F5344CB8AC3E}">
+        <p14:creationId xmlns:p14="http://schemas.microsoft.com/office/powerpoint/2010/main" val="3728662959"/>
+      </p:ext>
+    </p:extLst>
+  </p:cSld>
+  <p:clrMapOvr>
+    <a:masterClrMapping/>
+  </p:clrMapOvr>
+</p:sld>
+</file>
+
+<file path=ppt/slides/slide21.xml><?xml version="1.0" encoding="utf-8"?>
+<p:sld xmlns:a="http://schemas.openxmlformats.org/drawingml/2006/main" xmlns:r="http://schemas.openxmlformats.org/officeDocument/2006/relationships" xmlns:p="http://schemas.openxmlformats.org/presentationml/2006/main">
+  <p:cSld>
+    <p:spTree>
+      <p:nvGrpSpPr>
+        <p:cNvPr id="1" name="">
+          <a:extLst>
+            <a:ext uri="{FF2B5EF4-FFF2-40B4-BE49-F238E27FC236}">
+              <a16:creationId xmlns:a16="http://schemas.microsoft.com/office/drawing/2014/main" id="{E034AD36-096F-2A90-CEE0-FF7B93FCD688}"/>
+            </a:ext>
+          </a:extLst>
+        </p:cNvPr>
+        <p:cNvGrpSpPr/>
+        <p:nvPr/>
+      </p:nvGrpSpPr>
+      <p:grpSpPr>
+        <a:xfrm>
+          <a:off x="0" y="0"/>
+          <a:ext cx="0" cy="0"/>
+          <a:chOff x="0" y="0"/>
+          <a:chExt cx="0" cy="0"/>
+        </a:xfrm>
+      </p:grpSpPr>
+      <p:sp>
+        <p:nvSpPr>
+          <p:cNvPr id="3" name="Title 1">
+            <a:extLst>
+              <a:ext uri="{FF2B5EF4-FFF2-40B4-BE49-F238E27FC236}">
+                <a16:creationId xmlns:a16="http://schemas.microsoft.com/office/drawing/2014/main" id="{372E0CDA-9C32-FDFA-A123-A9B1C2554C03}"/>
+              </a:ext>
+            </a:extLst>
+          </p:cNvPr>
+          <p:cNvSpPr txBox="1">
+            <a:spLocks/>
+          </p:cNvSpPr>
+          <p:nvPr/>
+        </p:nvSpPr>
+        <p:spPr>
+          <a:xfrm>
+            <a:off x="285750" y="350838"/>
+            <a:ext cx="8532813" cy="612775"/>
+          </a:xfrm>
+          <a:prstGeom prst="rect">
+            <a:avLst/>
+          </a:prstGeom>
+        </p:spPr>
+        <p:txBody>
+          <a:bodyPr/>
+          <a:lstStyle>
+            <a:lvl1pPr algn="l" rtl="0" eaLnBrk="1" fontAlgn="base" hangingPunct="1">
+              <a:spcBef>
+                <a:spcPct val="0"/>
+              </a:spcBef>
+              <a:spcAft>
+                <a:spcPct val="0"/>
+              </a:spcAft>
+              <a:defRPr sz="3200" b="1">
+                <a:solidFill>
+                  <a:schemeClr val="tx2"/>
+                </a:solidFill>
+                <a:latin typeface="+mj-lt"/>
+                <a:ea typeface="+mj-ea"/>
+                <a:cs typeface="+mj-cs"/>
+              </a:defRPr>
+            </a:lvl1pPr>
+            <a:lvl2pPr algn="l" rtl="0" eaLnBrk="1" fontAlgn="base" hangingPunct="1">
+              <a:spcBef>
+                <a:spcPct val="0"/>
+              </a:spcBef>
+              <a:spcAft>
+                <a:spcPct val="0"/>
+              </a:spcAft>
+              <a:defRPr sz="3200" b="1">
+                <a:solidFill>
+                  <a:schemeClr val="tx2"/>
+                </a:solidFill>
+                <a:latin typeface="Arial" charset="0"/>
+              </a:defRPr>
+            </a:lvl2pPr>
+            <a:lvl3pPr algn="l" rtl="0" eaLnBrk="1" fontAlgn="base" hangingPunct="1">
+              <a:spcBef>
+                <a:spcPct val="0"/>
+              </a:spcBef>
+              <a:spcAft>
+                <a:spcPct val="0"/>
+              </a:spcAft>
+              <a:defRPr sz="3200" b="1">
+                <a:solidFill>
+                  <a:schemeClr val="tx2"/>
+                </a:solidFill>
+                <a:latin typeface="Arial" charset="0"/>
+              </a:defRPr>
+            </a:lvl3pPr>
+            <a:lvl4pPr algn="l" rtl="0" eaLnBrk="1" fontAlgn="base" hangingPunct="1">
+              <a:spcBef>
+                <a:spcPct val="0"/>
+              </a:spcBef>
+              <a:spcAft>
+                <a:spcPct val="0"/>
+              </a:spcAft>
+              <a:defRPr sz="3200" b="1">
+                <a:solidFill>
+                  <a:schemeClr val="tx2"/>
+                </a:solidFill>
+                <a:latin typeface="Arial" charset="0"/>
+              </a:defRPr>
+            </a:lvl4pPr>
+            <a:lvl5pPr algn="l" rtl="0" eaLnBrk="1" fontAlgn="base" hangingPunct="1">
+              <a:spcBef>
+                <a:spcPct val="0"/>
+              </a:spcBef>
+              <a:spcAft>
+                <a:spcPct val="0"/>
+              </a:spcAft>
+              <a:defRPr sz="3200" b="1">
+                <a:solidFill>
+                  <a:schemeClr val="tx2"/>
+                </a:solidFill>
+                <a:latin typeface="Arial" charset="0"/>
+              </a:defRPr>
+            </a:lvl5pPr>
+            <a:lvl6pPr marL="457200" algn="l" rtl="0" eaLnBrk="1" fontAlgn="base" hangingPunct="1">
+              <a:spcBef>
+                <a:spcPct val="0"/>
+              </a:spcBef>
+              <a:spcAft>
+                <a:spcPct val="0"/>
+              </a:spcAft>
+              <a:defRPr sz="3200" b="1">
+                <a:solidFill>
+                  <a:schemeClr val="tx2"/>
+                </a:solidFill>
+                <a:latin typeface="Arial" charset="0"/>
+              </a:defRPr>
+            </a:lvl6pPr>
+            <a:lvl7pPr marL="914400" algn="l" rtl="0" eaLnBrk="1" fontAlgn="base" hangingPunct="1">
+              <a:spcBef>
+                <a:spcPct val="0"/>
+              </a:spcBef>
+              <a:spcAft>
+                <a:spcPct val="0"/>
+              </a:spcAft>
+              <a:defRPr sz="3200" b="1">
+                <a:solidFill>
+                  <a:schemeClr val="tx2"/>
+                </a:solidFill>
+                <a:latin typeface="Arial" charset="0"/>
+              </a:defRPr>
+            </a:lvl7pPr>
+            <a:lvl8pPr marL="1371600" algn="l" rtl="0" eaLnBrk="1" fontAlgn="base" hangingPunct="1">
+              <a:spcBef>
+                <a:spcPct val="0"/>
+              </a:spcBef>
+              <a:spcAft>
+                <a:spcPct val="0"/>
+              </a:spcAft>
+              <a:defRPr sz="3200" b="1">
+                <a:solidFill>
+                  <a:schemeClr val="tx2"/>
+                </a:solidFill>
+                <a:latin typeface="Arial" charset="0"/>
+              </a:defRPr>
+            </a:lvl8pPr>
+            <a:lvl9pPr marL="1828800" algn="l" rtl="0" eaLnBrk="1" fontAlgn="base" hangingPunct="1">
+              <a:spcBef>
+                <a:spcPct val="0"/>
+              </a:spcBef>
+              <a:spcAft>
+                <a:spcPct val="0"/>
+              </a:spcAft>
+              <a:defRPr sz="3200" b="1">
+                <a:solidFill>
+                  <a:schemeClr val="tx2"/>
+                </a:solidFill>
+                <a:latin typeface="Arial" charset="0"/>
+              </a:defRPr>
+            </a:lvl9pPr>
+          </a:lstStyle>
+          <a:p>
+            <a:r>
+              <a:rPr lang="en-US" dirty="0"/>
+              <a:t>Thank you for a great semester</a:t>
+            </a:r>
+          </a:p>
+        </p:txBody>
+      </p:sp>
+      <p:pic>
+        <p:nvPicPr>
+          <p:cNvPr id="17410" name="Picture 2" descr="Warner Bros. Entertainment Wiki | Fandom">
+            <a:extLst>
+              <a:ext uri="{FF2B5EF4-FFF2-40B4-BE49-F238E27FC236}">
+                <a16:creationId xmlns:a16="http://schemas.microsoft.com/office/drawing/2014/main" id="{33FA3368-DFF1-28DE-6DF0-60F2B2566A3B}"/>
+              </a:ext>
+            </a:extLst>
+          </p:cNvPr>
+          <p:cNvPicPr>
+            <a:picLocks noChangeAspect="1" noChangeArrowheads="1"/>
+          </p:cNvPicPr>
+          <p:nvPr/>
+        </p:nvPicPr>
+        <p:blipFill>
+          <a:blip r:embed="rId2">
+            <a:extLst>
+              <a:ext uri="{28A0092B-C50C-407E-A947-70E740481C1C}">
+                <a14:useLocalDpi xmlns:a14="http://schemas.microsoft.com/office/drawing/2010/main" val="0"/>
+              </a:ext>
+            </a:extLst>
+          </a:blip>
+          <a:srcRect/>
+          <a:stretch>
+            <a:fillRect/>
+          </a:stretch>
+        </p:blipFill>
+        <p:spPr bwMode="auto">
+          <a:xfrm>
+            <a:off x="1761067" y="1444790"/>
+            <a:ext cx="5503333" cy="3429894"/>
+          </a:xfrm>
+          <a:prstGeom prst="rect">
+            <a:avLst/>
+          </a:prstGeom>
+          <a:noFill/>
+          <a:extLst>
+            <a:ext uri="{909E8E84-426E-40DD-AFC4-6F175D3DCCD1}">
+              <a14:hiddenFill xmlns:a14="http://schemas.microsoft.com/office/drawing/2010/main">
+                <a:solidFill>
+                  <a:srgbClr val="FFFFFF"/>
+                </a:solidFill>
+              </a14:hiddenFill>
+            </a:ext>
+          </a:extLst>
+        </p:spPr>
+      </p:pic>
+    </p:spTree>
+    <p:extLst>
+      <p:ext uri="{BB962C8B-B14F-4D97-AF65-F5344CB8AC3E}">
+        <p14:creationId xmlns:p14="http://schemas.microsoft.com/office/powerpoint/2010/main" val="773272458"/>
       </p:ext>
     </p:extLst>
   </p:cSld>
